--- a/Experts Live Prague 2019/Kubernetes_Azure/Experts_Live_K8.pptx
+++ b/Experts Live Prague 2019/Kubernetes_Azure/Experts_Live_K8.pptx
@@ -21,7 +21,7 @@
     <p:sldId id="263" r:id="rId12"/>
     <p:sldId id="264" r:id="rId13"/>
     <p:sldId id="265" r:id="rId14"/>
-    <p:sldId id="258" r:id="rId15"/>
+    <p:sldId id="269" r:id="rId15"/>
     <p:sldId id="266" r:id="rId16"/>
   </p:sldIdLst>
   <p:sldSz cx="9144000" cy="5143500" type="screen16x9"/>
@@ -2345,10 +2345,10 @@
       </p:pic>
       <p:pic>
         <p:nvPicPr>
-          <p:cNvPr id="12" name="Picture 11">
+          <p:cNvPr id="13" name="Picture 12">
             <a:extLst>
               <a:ext uri="{FF2B5EF4-FFF2-40B4-BE49-F238E27FC236}">
-                <a16:creationId xmlns:a16="http://schemas.microsoft.com/office/drawing/2014/main" id="{057150B7-77A0-4779-8292-D76254860C37}"/>
+                <a16:creationId xmlns:a16="http://schemas.microsoft.com/office/drawing/2014/main" id="{B9BAFBB9-7FC9-49BB-A213-5A665DBA69C0}"/>
               </a:ext>
             </a:extLst>
           </p:cNvPr>
@@ -2365,8 +2365,8 @@
         </p:blipFill>
         <p:spPr>
           <a:xfrm>
-            <a:off x="6119599" y="2800350"/>
-            <a:ext cx="1885950" cy="1885950"/>
+            <a:off x="6424398" y="2974873"/>
+            <a:ext cx="1805201" cy="1805201"/>
           </a:xfrm>
           <a:prstGeom prst="rect">
             <a:avLst/>
@@ -2376,7 +2376,7 @@
     </p:spTree>
     <p:extLst>
       <p:ext uri="{BB962C8B-B14F-4D97-AF65-F5344CB8AC3E}">
-        <p14:creationId xmlns:p14="http://schemas.microsoft.com/office/powerpoint/2010/main" val="1315644477"/>
+        <p14:creationId xmlns:p14="http://schemas.microsoft.com/office/powerpoint/2010/main" val="2814441679"/>
       </p:ext>
     </p:extLst>
   </p:cSld>
@@ -2970,10 +2970,10 @@
       </p:pic>
       <p:pic>
         <p:nvPicPr>
-          <p:cNvPr id="12" name="Picture 11">
+          <p:cNvPr id="13" name="Picture 12">
             <a:extLst>
               <a:ext uri="{FF2B5EF4-FFF2-40B4-BE49-F238E27FC236}">
-                <a16:creationId xmlns:a16="http://schemas.microsoft.com/office/drawing/2014/main" id="{057150B7-77A0-4779-8292-D76254860C37}"/>
+                <a16:creationId xmlns:a16="http://schemas.microsoft.com/office/drawing/2014/main" id="{B9BAFBB9-7FC9-49BB-A213-5A665DBA69C0}"/>
               </a:ext>
             </a:extLst>
           </p:cNvPr>
@@ -2990,8 +2990,8 @@
         </p:blipFill>
         <p:spPr>
           <a:xfrm>
-            <a:off x="6119599" y="2800350"/>
-            <a:ext cx="1885950" cy="1885950"/>
+            <a:off x="6424398" y="2974873"/>
+            <a:ext cx="1805201" cy="1805201"/>
           </a:xfrm>
           <a:prstGeom prst="rect">
             <a:avLst/>
@@ -5400,9 +5400,12 @@
 </file>
 
 <file path=customXml/item1.xml><?xml version="1.0" encoding="utf-8"?>
-<p:properties xmlns:p="http://schemas.microsoft.com/office/2006/metadata/properties" xmlns:xsi="http://www.w3.org/2001/XMLSchema-instance" xmlns:pc="http://schemas.microsoft.com/office/infopath/2007/PartnerControls">
-  <documentManagement/>
-</p:properties>
+<?mso-contentType ?>
+<FormTemplates xmlns="http://schemas.microsoft.com/sharepoint/v3/contenttype/forms">
+  <Display>DocumentLibraryForm</Display>
+  <Edit>DocumentLibraryForm</Edit>
+  <New>DocumentLibraryForm</New>
+</FormTemplates>
 </file>
 
 <file path=customXml/item2.xml><?xml version="1.0" encoding="utf-8"?>
@@ -5576,26 +5579,15 @@
 </file>
 
 <file path=customXml/item3.xml><?xml version="1.0" encoding="utf-8"?>
-<?mso-contentType ?>
-<FormTemplates xmlns="http://schemas.microsoft.com/sharepoint/v3/contenttype/forms">
-  <Display>DocumentLibraryForm</Display>
-  <Edit>DocumentLibraryForm</Edit>
-  <New>DocumentLibraryForm</New>
-</FormTemplates>
+<p:properties xmlns:p="http://schemas.microsoft.com/office/2006/metadata/properties" xmlns:xsi="http://www.w3.org/2001/XMLSchema-instance" xmlns:pc="http://schemas.microsoft.com/office/infopath/2007/PartnerControls">
+  <documentManagement/>
+</p:properties>
 </file>
 
 <file path=customXml/itemProps1.xml><?xml version="1.0" encoding="utf-8"?>
-<ds:datastoreItem xmlns:ds="http://schemas.openxmlformats.org/officeDocument/2006/customXml" ds:itemID="{B61D9F81-828F-487E-B733-C40C548226D3}">
+<ds:datastoreItem xmlns:ds="http://schemas.openxmlformats.org/officeDocument/2006/customXml" ds:itemID="{1F6BAE2A-3DA5-4EE8-819D-1C3E1939D3C5}">
   <ds:schemaRefs>
-    <ds:schemaRef ds:uri="http://purl.org/dc/terms/"/>
-    <ds:schemaRef ds:uri="http://schemas.openxmlformats.org/package/2006/metadata/core-properties"/>
-    <ds:schemaRef ds:uri="http://schemas.microsoft.com/office/2006/documentManagement/types"/>
-    <ds:schemaRef ds:uri="http://schemas.microsoft.com/office/infopath/2007/PartnerControls"/>
-    <ds:schemaRef ds:uri="http://purl.org/dc/elements/1.1/"/>
-    <ds:schemaRef ds:uri="http://schemas.microsoft.com/office/2006/metadata/properties"/>
-    <ds:schemaRef ds:uri="418ae95e-040f-4a03-ab7f-9099d8deb009"/>
-    <ds:schemaRef ds:uri="http://www.w3.org/XML/1998/namespace"/>
-    <ds:schemaRef ds:uri="http://purl.org/dc/dcmitype/"/>
+    <ds:schemaRef ds:uri="http://schemas.microsoft.com/sharepoint/v3/contenttype/forms"/>
   </ds:schemaRefs>
 </ds:datastoreItem>
 </file>
@@ -5619,9 +5611,17 @@
 </file>
 
 <file path=customXml/itemProps3.xml><?xml version="1.0" encoding="utf-8"?>
-<ds:datastoreItem xmlns:ds="http://schemas.openxmlformats.org/officeDocument/2006/customXml" ds:itemID="{1F6BAE2A-3DA5-4EE8-819D-1C3E1939D3C5}">
+<ds:datastoreItem xmlns:ds="http://schemas.openxmlformats.org/officeDocument/2006/customXml" ds:itemID="{B61D9F81-828F-487E-B733-C40C548226D3}">
   <ds:schemaRefs>
-    <ds:schemaRef ds:uri="http://schemas.microsoft.com/sharepoint/v3/contenttype/forms"/>
+    <ds:schemaRef ds:uri="http://purl.org/dc/terms/"/>
+    <ds:schemaRef ds:uri="http://schemas.openxmlformats.org/package/2006/metadata/core-properties"/>
+    <ds:schemaRef ds:uri="http://schemas.microsoft.com/office/2006/documentManagement/types"/>
+    <ds:schemaRef ds:uri="http://schemas.microsoft.com/office/infopath/2007/PartnerControls"/>
+    <ds:schemaRef ds:uri="http://purl.org/dc/elements/1.1/"/>
+    <ds:schemaRef ds:uri="http://schemas.microsoft.com/office/2006/metadata/properties"/>
+    <ds:schemaRef ds:uri="418ae95e-040f-4a03-ab7f-9099d8deb009"/>
+    <ds:schemaRef ds:uri="http://www.w3.org/XML/1998/namespace"/>
+    <ds:schemaRef ds:uri="http://purl.org/dc/dcmitype/"/>
   </ds:schemaRefs>
 </ds:datastoreItem>
 </file>
--- a/Experts Live Prague 2019/Kubernetes_Azure/Experts_Live_K8.pptx
+++ b/Experts Live Prague 2019/Kubernetes_Azure/Experts_Live_K8.pptx
@@ -5,10 +5,10 @@
     <p:sldMasterId id="2147483648" r:id="rId4"/>
   </p:sldMasterIdLst>
   <p:notesMasterIdLst>
-    <p:notesMasterId r:id="rId17"/>
+    <p:notesMasterId r:id="rId19"/>
   </p:notesMasterIdLst>
   <p:handoutMasterIdLst>
-    <p:handoutMasterId r:id="rId18"/>
+    <p:handoutMasterId r:id="rId20"/>
   </p:handoutMasterIdLst>
   <p:sldIdLst>
     <p:sldId id="256" r:id="rId5"/>
@@ -22,7 +22,9 @@
     <p:sldId id="264" r:id="rId13"/>
     <p:sldId id="265" r:id="rId14"/>
     <p:sldId id="269" r:id="rId15"/>
-    <p:sldId id="266" r:id="rId16"/>
+    <p:sldId id="270" r:id="rId16"/>
+    <p:sldId id="271" r:id="rId17"/>
+    <p:sldId id="266" r:id="rId18"/>
   </p:sldIdLst>
   <p:sldSz cx="9144000" cy="5143500" type="screen16x9"/>
   <p:notesSz cx="6858000" cy="9144000"/>
@@ -222,7 +224,7 @@
           <a:p>
             <a:fld id="{3E82F302-A7C8-034E-97BB-FC8263E03487}" type="datetimeFigureOut">
               <a:rPr lang="en-US" smtClean="0"/>
-              <a:t>11/16/2019</a:t>
+              <a:t>11/20/2019</a:t>
             </a:fld>
             <a:endParaRPr lang="en-US"/>
           </a:p>
@@ -387,7 +389,7 @@
           <a:p>
             <a:fld id="{487DA48D-2A66-4BA8-A0A6-18B7094E3EEC}" type="datetimeFigureOut">
               <a:rPr lang="en-US" smtClean="0"/>
-              <a:t>11/16/2019</a:t>
+              <a:t>11/20/2019</a:t>
             </a:fld>
             <a:endParaRPr lang="en-US"/>
           </a:p>
@@ -2387,6 +2389,628 @@
 </file>
 
 <file path=ppt/slides/slide12.xml><?xml version="1.0" encoding="utf-8"?>
+<p:sld xmlns:a="http://schemas.openxmlformats.org/drawingml/2006/main" xmlns:r="http://schemas.openxmlformats.org/officeDocument/2006/relationships" xmlns:p="http://schemas.openxmlformats.org/presentationml/2006/main">
+  <p:cSld>
+    <p:spTree>
+      <p:nvGrpSpPr>
+        <p:cNvPr id="1" name=""/>
+        <p:cNvGrpSpPr/>
+        <p:nvPr/>
+      </p:nvGrpSpPr>
+      <p:grpSpPr>
+        <a:xfrm>
+          <a:off x="0" y="0"/>
+          <a:ext cx="0" cy="0"/>
+          <a:chOff x="0" y="0"/>
+          <a:chExt cx="0" cy="0"/>
+        </a:xfrm>
+      </p:grpSpPr>
+      <p:sp>
+        <p:nvSpPr>
+          <p:cNvPr id="2" name="Title 1">
+            <a:extLst>
+              <a:ext uri="{FF2B5EF4-FFF2-40B4-BE49-F238E27FC236}">
+                <a16:creationId xmlns:a16="http://schemas.microsoft.com/office/drawing/2014/main" id="{9D3D4321-D018-4DA0-B70A-5B75C284394E}"/>
+              </a:ext>
+            </a:extLst>
+          </p:cNvPr>
+          <p:cNvSpPr>
+            <a:spLocks noGrp="1"/>
+          </p:cNvSpPr>
+          <p:nvPr>
+            <p:ph type="title"/>
+          </p:nvPr>
+        </p:nvSpPr>
+        <p:spPr/>
+        <p:txBody>
+          <a:bodyPr/>
+          <a:lstStyle/>
+          <a:p>
+            <a:pPr algn="ctr"/>
+            <a:r>
+              <a:rPr lang="en-US" dirty="0">
+                <a:solidFill>
+                  <a:schemeClr val="accent1"/>
+                </a:solidFill>
+              </a:rPr>
+              <a:t>Thank you Sponsors!</a:t>
+            </a:r>
+            <a:endParaRPr lang="en-CH" dirty="0">
+              <a:solidFill>
+                <a:schemeClr val="accent1"/>
+              </a:solidFill>
+            </a:endParaRPr>
+          </a:p>
+        </p:txBody>
+      </p:sp>
+      <p:pic>
+        <p:nvPicPr>
+          <p:cNvPr id="4" name="Picture 3" descr="A picture containing drawing&#10;&#10;Description automatically generated">
+            <a:extLst>
+              <a:ext uri="{FF2B5EF4-FFF2-40B4-BE49-F238E27FC236}">
+                <a16:creationId xmlns:a16="http://schemas.microsoft.com/office/drawing/2014/main" id="{B8FF30C3-72D7-472F-8227-416ED0E6FBE5}"/>
+              </a:ext>
+            </a:extLst>
+          </p:cNvPr>
+          <p:cNvPicPr>
+            <a:picLocks noChangeAspect="1"/>
+          </p:cNvPicPr>
+          <p:nvPr/>
+        </p:nvPicPr>
+        <p:blipFill>
+          <a:blip r:embed="rId2"/>
+          <a:stretch>
+            <a:fillRect/>
+          </a:stretch>
+        </p:blipFill>
+        <p:spPr>
+          <a:xfrm>
+            <a:off x="4953000" y="3095680"/>
+            <a:ext cx="1410444" cy="245364"/>
+          </a:xfrm>
+          <a:prstGeom prst="rect">
+            <a:avLst/>
+          </a:prstGeom>
+        </p:spPr>
+      </p:pic>
+      <p:pic>
+        <p:nvPicPr>
+          <p:cNvPr id="6" name="Picture 5" descr="A picture containing food, drawing, mug&#10;&#10;Description automatically generated">
+            <a:extLst>
+              <a:ext uri="{FF2B5EF4-FFF2-40B4-BE49-F238E27FC236}">
+                <a16:creationId xmlns:a16="http://schemas.microsoft.com/office/drawing/2014/main" id="{4AF2BEFD-BEA2-48FB-A373-3EFD8E8B1F15}"/>
+              </a:ext>
+            </a:extLst>
+          </p:cNvPr>
+          <p:cNvPicPr>
+            <a:picLocks noChangeAspect="1"/>
+          </p:cNvPicPr>
+          <p:nvPr/>
+        </p:nvPicPr>
+        <p:blipFill>
+          <a:blip r:embed="rId3"/>
+          <a:stretch>
+            <a:fillRect/>
+          </a:stretch>
+        </p:blipFill>
+        <p:spPr>
+          <a:xfrm>
+            <a:off x="1467222" y="1427543"/>
+            <a:ext cx="2667000" cy="487040"/>
+          </a:xfrm>
+          <a:prstGeom prst="rect">
+            <a:avLst/>
+          </a:prstGeom>
+        </p:spPr>
+      </p:pic>
+      <p:pic>
+        <p:nvPicPr>
+          <p:cNvPr id="9" name="Picture 8" descr="A picture containing drawing, player&#10;&#10;Description automatically generated">
+            <a:extLst>
+              <a:ext uri="{FF2B5EF4-FFF2-40B4-BE49-F238E27FC236}">
+                <a16:creationId xmlns:a16="http://schemas.microsoft.com/office/drawing/2014/main" id="{E2ACFFA4-1EF0-40CA-BD99-D73886138F11}"/>
+              </a:ext>
+            </a:extLst>
+          </p:cNvPr>
+          <p:cNvPicPr>
+            <a:picLocks noChangeAspect="1"/>
+          </p:cNvPicPr>
+          <p:nvPr/>
+        </p:nvPicPr>
+        <p:blipFill>
+          <a:blip r:embed="rId4"/>
+          <a:stretch>
+            <a:fillRect/>
+          </a:stretch>
+        </p:blipFill>
+        <p:spPr>
+          <a:xfrm>
+            <a:off x="4937312" y="1121016"/>
+            <a:ext cx="3113856" cy="1110962"/>
+          </a:xfrm>
+          <a:prstGeom prst="rect">
+            <a:avLst/>
+          </a:prstGeom>
+        </p:spPr>
+      </p:pic>
+      <p:pic>
+        <p:nvPicPr>
+          <p:cNvPr id="12" name="Picture 11" descr="A close up of a logo&#10;&#10;Description automatically generated">
+            <a:extLst>
+              <a:ext uri="{FF2B5EF4-FFF2-40B4-BE49-F238E27FC236}">
+                <a16:creationId xmlns:a16="http://schemas.microsoft.com/office/drawing/2014/main" id="{71D45B19-0535-4D4F-9E92-719A87D22E92}"/>
+              </a:ext>
+            </a:extLst>
+          </p:cNvPr>
+          <p:cNvPicPr>
+            <a:picLocks noChangeAspect="1"/>
+          </p:cNvPicPr>
+          <p:nvPr/>
+        </p:nvPicPr>
+        <p:blipFill rotWithShape="1">
+          <a:blip r:embed="rId5"/>
+          <a:srcRect r="2328" b="35003"/>
+          <a:stretch/>
+        </p:blipFill>
+        <p:spPr>
+          <a:xfrm>
+            <a:off x="4953000" y="2404923"/>
+            <a:ext cx="1410444" cy="248635"/>
+          </a:xfrm>
+          <a:prstGeom prst="rect">
+            <a:avLst/>
+          </a:prstGeom>
+        </p:spPr>
+      </p:pic>
+      <p:pic>
+        <p:nvPicPr>
+          <p:cNvPr id="14" name="Picture 13" descr="A picture containing drawing&#10;&#10;Description automatically generated">
+            <a:extLst>
+              <a:ext uri="{FF2B5EF4-FFF2-40B4-BE49-F238E27FC236}">
+                <a16:creationId xmlns:a16="http://schemas.microsoft.com/office/drawing/2014/main" id="{E3942AC2-6A1F-4965-B908-E0CACAA9CC6E}"/>
+              </a:ext>
+            </a:extLst>
+          </p:cNvPr>
+          <p:cNvPicPr>
+            <a:picLocks noChangeAspect="1"/>
+          </p:cNvPicPr>
+          <p:nvPr/>
+        </p:nvPicPr>
+        <p:blipFill>
+          <a:blip r:embed="rId6"/>
+          <a:stretch>
+            <a:fillRect/>
+          </a:stretch>
+        </p:blipFill>
+        <p:spPr>
+          <a:xfrm>
+            <a:off x="1222450" y="2989906"/>
+            <a:ext cx="1371599" cy="456914"/>
+          </a:xfrm>
+          <a:prstGeom prst="rect">
+            <a:avLst/>
+          </a:prstGeom>
+        </p:spPr>
+      </p:pic>
+      <p:pic>
+        <p:nvPicPr>
+          <p:cNvPr id="16" name="Picture 15" descr="A picture containing food, drawing&#10;&#10;Description automatically generated">
+            <a:extLst>
+              <a:ext uri="{FF2B5EF4-FFF2-40B4-BE49-F238E27FC236}">
+                <a16:creationId xmlns:a16="http://schemas.microsoft.com/office/drawing/2014/main" id="{AE89E7D2-2314-482E-8371-EC0C72EA81FA}"/>
+              </a:ext>
+            </a:extLst>
+          </p:cNvPr>
+          <p:cNvPicPr>
+            <a:picLocks noChangeAspect="1"/>
+          </p:cNvPicPr>
+          <p:nvPr/>
+        </p:nvPicPr>
+        <p:blipFill>
+          <a:blip r:embed="rId7"/>
+          <a:stretch>
+            <a:fillRect/>
+          </a:stretch>
+        </p:blipFill>
+        <p:spPr>
+          <a:xfrm>
+            <a:off x="2897224" y="2949881"/>
+            <a:ext cx="1752600" cy="536963"/>
+          </a:xfrm>
+          <a:prstGeom prst="rect">
+            <a:avLst/>
+          </a:prstGeom>
+        </p:spPr>
+      </p:pic>
+      <p:pic>
+        <p:nvPicPr>
+          <p:cNvPr id="18" name="Picture 17" descr="A picture containing drawing, plate&#10;&#10;Description automatically generated">
+            <a:extLst>
+              <a:ext uri="{FF2B5EF4-FFF2-40B4-BE49-F238E27FC236}">
+                <a16:creationId xmlns:a16="http://schemas.microsoft.com/office/drawing/2014/main" id="{30FC2DE0-FC75-409C-9CB4-540E89487A0D}"/>
+              </a:ext>
+            </a:extLst>
+          </p:cNvPr>
+          <p:cNvPicPr>
+            <a:picLocks noChangeAspect="1"/>
+          </p:cNvPicPr>
+          <p:nvPr/>
+        </p:nvPicPr>
+        <p:blipFill rotWithShape="1">
+          <a:blip r:embed="rId8"/>
+          <a:srcRect b="27173"/>
+          <a:stretch/>
+        </p:blipFill>
+        <p:spPr>
+          <a:xfrm>
+            <a:off x="5239122" y="3862703"/>
+            <a:ext cx="838199" cy="243559"/>
+          </a:xfrm>
+          <a:prstGeom prst="rect">
+            <a:avLst/>
+          </a:prstGeom>
+        </p:spPr>
+      </p:pic>
+      <p:pic>
+        <p:nvPicPr>
+          <p:cNvPr id="20" name="Picture 19" descr="A picture containing drawing&#10;&#10;Description automatically generated">
+            <a:extLst>
+              <a:ext uri="{FF2B5EF4-FFF2-40B4-BE49-F238E27FC236}">
+                <a16:creationId xmlns:a16="http://schemas.microsoft.com/office/drawing/2014/main" id="{89D38F09-CA8C-4E0B-910C-C3777ECFE202}"/>
+              </a:ext>
+            </a:extLst>
+          </p:cNvPr>
+          <p:cNvPicPr>
+            <a:picLocks noChangeAspect="1"/>
+          </p:cNvPicPr>
+          <p:nvPr/>
+        </p:nvPicPr>
+        <p:blipFill>
+          <a:blip r:embed="rId9"/>
+          <a:stretch>
+            <a:fillRect/>
+          </a:stretch>
+        </p:blipFill>
+        <p:spPr>
+          <a:xfrm>
+            <a:off x="1222449" y="3775174"/>
+            <a:ext cx="1371599" cy="396447"/>
+          </a:xfrm>
+          <a:prstGeom prst="rect">
+            <a:avLst/>
+          </a:prstGeom>
+        </p:spPr>
+      </p:pic>
+      <p:pic>
+        <p:nvPicPr>
+          <p:cNvPr id="22" name="Picture 21" descr="A picture containing drawing&#10;&#10;Description automatically generated">
+            <a:extLst>
+              <a:ext uri="{FF2B5EF4-FFF2-40B4-BE49-F238E27FC236}">
+                <a16:creationId xmlns:a16="http://schemas.microsoft.com/office/drawing/2014/main" id="{A3B82F59-AA92-4DB2-8855-D28C8C74DA51}"/>
+              </a:ext>
+            </a:extLst>
+          </p:cNvPr>
+          <p:cNvPicPr>
+            <a:picLocks noChangeAspect="1"/>
+          </p:cNvPicPr>
+          <p:nvPr/>
+        </p:nvPicPr>
+        <p:blipFill>
+          <a:blip r:embed="rId10"/>
+          <a:stretch>
+            <a:fillRect/>
+          </a:stretch>
+        </p:blipFill>
+        <p:spPr>
+          <a:xfrm>
+            <a:off x="3087725" y="3875551"/>
+            <a:ext cx="1371598" cy="209604"/>
+          </a:xfrm>
+          <a:prstGeom prst="rect">
+            <a:avLst/>
+          </a:prstGeom>
+        </p:spPr>
+      </p:pic>
+      <p:pic>
+        <p:nvPicPr>
+          <p:cNvPr id="24" name="Picture 23" descr="A picture containing drawing&#10;&#10;Description automatically generated">
+            <a:extLst>
+              <a:ext uri="{FF2B5EF4-FFF2-40B4-BE49-F238E27FC236}">
+                <a16:creationId xmlns:a16="http://schemas.microsoft.com/office/drawing/2014/main" id="{7BE3F41E-562C-47C5-92C6-CFC4CC72E6EF}"/>
+              </a:ext>
+            </a:extLst>
+          </p:cNvPr>
+          <p:cNvPicPr>
+            <a:picLocks noChangeAspect="1"/>
+          </p:cNvPicPr>
+          <p:nvPr/>
+        </p:nvPicPr>
+        <p:blipFill rotWithShape="1">
+          <a:blip r:embed="rId11"/>
+          <a:srcRect t="23092" b="21447"/>
+          <a:stretch/>
+        </p:blipFill>
+        <p:spPr>
+          <a:xfrm>
+            <a:off x="6623690" y="3033771"/>
+            <a:ext cx="1561354" cy="447399"/>
+          </a:xfrm>
+          <a:prstGeom prst="rect">
+            <a:avLst/>
+          </a:prstGeom>
+        </p:spPr>
+      </p:pic>
+      <p:pic>
+        <p:nvPicPr>
+          <p:cNvPr id="26" name="Picture 25" descr="A picture containing clock, drawing&#10;&#10;Description automatically generated">
+            <a:extLst>
+              <a:ext uri="{FF2B5EF4-FFF2-40B4-BE49-F238E27FC236}">
+                <a16:creationId xmlns:a16="http://schemas.microsoft.com/office/drawing/2014/main" id="{D93B37EB-DF2C-49CC-9EB8-BBCA76476457}"/>
+              </a:ext>
+            </a:extLst>
+          </p:cNvPr>
+          <p:cNvPicPr>
+            <a:picLocks noChangeAspect="1"/>
+          </p:cNvPicPr>
+          <p:nvPr/>
+        </p:nvPicPr>
+        <p:blipFill>
+          <a:blip r:embed="rId12"/>
+          <a:stretch>
+            <a:fillRect/>
+          </a:stretch>
+        </p:blipFill>
+        <p:spPr>
+          <a:xfrm>
+            <a:off x="1107404" y="2401296"/>
+            <a:ext cx="1486645" cy="270424"/>
+          </a:xfrm>
+          <a:prstGeom prst="rect">
+            <a:avLst/>
+          </a:prstGeom>
+        </p:spPr>
+      </p:pic>
+      <p:pic>
+        <p:nvPicPr>
+          <p:cNvPr id="28" name="Picture 27" descr="A close up of a logo&#10;&#10;Description automatically generated">
+            <a:extLst>
+              <a:ext uri="{FF2B5EF4-FFF2-40B4-BE49-F238E27FC236}">
+                <a16:creationId xmlns:a16="http://schemas.microsoft.com/office/drawing/2014/main" id="{5F65EC22-C3EB-4DCA-A585-7D8B4BBD2451}"/>
+              </a:ext>
+            </a:extLst>
+          </p:cNvPr>
+          <p:cNvPicPr>
+            <a:picLocks noChangeAspect="1"/>
+          </p:cNvPicPr>
+          <p:nvPr/>
+        </p:nvPicPr>
+        <p:blipFill>
+          <a:blip r:embed="rId13"/>
+          <a:stretch>
+            <a:fillRect/>
+          </a:stretch>
+        </p:blipFill>
+        <p:spPr>
+          <a:xfrm>
+            <a:off x="6553200" y="2216605"/>
+            <a:ext cx="1702336" cy="625270"/>
+          </a:xfrm>
+          <a:prstGeom prst="rect">
+            <a:avLst/>
+          </a:prstGeom>
+        </p:spPr>
+      </p:pic>
+      <p:pic>
+        <p:nvPicPr>
+          <p:cNvPr id="30" name="Picture 29" descr="A picture containing drawing&#10;&#10;Description automatically generated">
+            <a:extLst>
+              <a:ext uri="{FF2B5EF4-FFF2-40B4-BE49-F238E27FC236}">
+                <a16:creationId xmlns:a16="http://schemas.microsoft.com/office/drawing/2014/main" id="{8369B95E-43B9-4BA8-9C29-D152AC35D615}"/>
+              </a:ext>
+            </a:extLst>
+          </p:cNvPr>
+          <p:cNvPicPr>
+            <a:picLocks noChangeAspect="1"/>
+          </p:cNvPicPr>
+          <p:nvPr/>
+        </p:nvPicPr>
+        <p:blipFill rotWithShape="1">
+          <a:blip r:embed="rId14"/>
+          <a:srcRect b="23669"/>
+          <a:stretch/>
+        </p:blipFill>
+        <p:spPr>
+          <a:xfrm>
+            <a:off x="3029081" y="2401296"/>
+            <a:ext cx="1488887" cy="284123"/>
+          </a:xfrm>
+          <a:prstGeom prst="rect">
+            <a:avLst/>
+          </a:prstGeom>
+        </p:spPr>
+      </p:pic>
+      <p:pic>
+        <p:nvPicPr>
+          <p:cNvPr id="32" name="Picture 31" descr="A picture containing drawing&#10;&#10;Description automatically generated">
+            <a:extLst>
+              <a:ext uri="{FF2B5EF4-FFF2-40B4-BE49-F238E27FC236}">
+                <a16:creationId xmlns:a16="http://schemas.microsoft.com/office/drawing/2014/main" id="{4D489B71-FF0D-4FB8-99C2-BF9F1C49E772}"/>
+              </a:ext>
+            </a:extLst>
+          </p:cNvPr>
+          <p:cNvPicPr>
+            <a:picLocks noChangeAspect="1"/>
+          </p:cNvPicPr>
+          <p:nvPr/>
+        </p:nvPicPr>
+        <p:blipFill rotWithShape="1">
+          <a:blip r:embed="rId15"/>
+          <a:srcRect l="13013" t="28396" r="10714" b="28394"/>
+          <a:stretch/>
+        </p:blipFill>
+        <p:spPr>
+          <a:xfrm>
+            <a:off x="6623690" y="3775174"/>
+            <a:ext cx="1561355" cy="396447"/>
+          </a:xfrm>
+          <a:prstGeom prst="rect">
+            <a:avLst/>
+          </a:prstGeom>
+        </p:spPr>
+      </p:pic>
+    </p:spTree>
+    <p:extLst>
+      <p:ext uri="{BB962C8B-B14F-4D97-AF65-F5344CB8AC3E}">
+        <p14:creationId xmlns:p14="http://schemas.microsoft.com/office/powerpoint/2010/main" val="746984703"/>
+      </p:ext>
+    </p:extLst>
+  </p:cSld>
+  <p:clrMapOvr>
+    <a:masterClrMapping/>
+  </p:clrMapOvr>
+</p:sld>
+</file>
+
+<file path=ppt/slides/slide13.xml><?xml version="1.0" encoding="utf-8"?>
+<p:sld xmlns:a="http://schemas.openxmlformats.org/drawingml/2006/main" xmlns:r="http://schemas.openxmlformats.org/officeDocument/2006/relationships" xmlns:p="http://schemas.openxmlformats.org/presentationml/2006/main">
+  <p:cSld>
+    <p:spTree>
+      <p:nvGrpSpPr>
+        <p:cNvPr id="1" name=""/>
+        <p:cNvGrpSpPr/>
+        <p:nvPr/>
+      </p:nvGrpSpPr>
+      <p:grpSpPr>
+        <a:xfrm>
+          <a:off x="0" y="0"/>
+          <a:ext cx="0" cy="0"/>
+          <a:chOff x="0" y="0"/>
+          <a:chExt cx="0" cy="0"/>
+        </a:xfrm>
+      </p:grpSpPr>
+      <p:sp>
+        <p:nvSpPr>
+          <p:cNvPr id="2" name="Title 1">
+            <a:extLst>
+              <a:ext uri="{FF2B5EF4-FFF2-40B4-BE49-F238E27FC236}">
+                <a16:creationId xmlns:a16="http://schemas.microsoft.com/office/drawing/2014/main" id="{86FC6CD4-57B5-4643-A8DE-C865DBB3AD67}"/>
+              </a:ext>
+            </a:extLst>
+          </p:cNvPr>
+          <p:cNvSpPr>
+            <a:spLocks noGrp="1"/>
+          </p:cNvSpPr>
+          <p:nvPr>
+            <p:ph type="title"/>
+          </p:nvPr>
+        </p:nvSpPr>
+        <p:spPr>
+          <a:xfrm>
+            <a:off x="467544" y="819150"/>
+            <a:ext cx="8208144" cy="857250"/>
+          </a:xfrm>
+        </p:spPr>
+        <p:txBody>
+          <a:bodyPr/>
+          <a:lstStyle/>
+          <a:p>
+            <a:pPr algn="ctr"/>
+            <a:r>
+              <a:rPr lang="en-US" dirty="0">
+                <a:solidFill>
+                  <a:schemeClr val="accent1"/>
+                </a:solidFill>
+              </a:rPr>
+              <a:t>Please submit your feedback</a:t>
+            </a:r>
+          </a:p>
+        </p:txBody>
+      </p:sp>
+      <p:sp>
+        <p:nvSpPr>
+          <p:cNvPr id="3" name="Text Placeholder 2">
+            <a:extLst>
+              <a:ext uri="{FF2B5EF4-FFF2-40B4-BE49-F238E27FC236}">
+                <a16:creationId xmlns:a16="http://schemas.microsoft.com/office/drawing/2014/main" id="{0B3E74F3-4F9E-45F6-AF17-B69E508DDB32}"/>
+              </a:ext>
+            </a:extLst>
+          </p:cNvPr>
+          <p:cNvSpPr>
+            <a:spLocks noGrp="1"/>
+          </p:cNvSpPr>
+          <p:nvPr>
+            <p:ph type="body" sz="quarter" idx="10"/>
+          </p:nvPr>
+        </p:nvSpPr>
+        <p:spPr/>
+        <p:txBody>
+          <a:bodyPr/>
+          <a:lstStyle/>
+          <a:p>
+            <a:endParaRPr lang="en-US" dirty="0">
+              <a:solidFill>
+                <a:schemeClr val="accent1"/>
+              </a:solidFill>
+            </a:endParaRPr>
+          </a:p>
+          <a:p>
+            <a:pPr algn="ctr"/>
+            <a:r>
+              <a:rPr lang="en-US" sz="2400" dirty="0">
+                <a:solidFill>
+                  <a:schemeClr val="accent1"/>
+                </a:solidFill>
+              </a:rPr>
+              <a:t>Don’t forget to rate this session in the </a:t>
+            </a:r>
+            <a:r>
+              <a:rPr lang="en-US" sz="2400">
+                <a:solidFill>
+                  <a:schemeClr val="accent1"/>
+                </a:solidFill>
+              </a:rPr>
+              <a:t>conference app </a:t>
+            </a:r>
+            <a:endParaRPr lang="en-US" sz="2400" dirty="0">
+              <a:solidFill>
+                <a:schemeClr val="accent1"/>
+              </a:solidFill>
+            </a:endParaRPr>
+          </a:p>
+          <a:p>
+            <a:endParaRPr lang="en-US" dirty="0">
+              <a:solidFill>
+                <a:schemeClr val="accent1"/>
+              </a:solidFill>
+            </a:endParaRPr>
+          </a:p>
+          <a:p>
+            <a:pPr algn="ctr"/>
+            <a:r>
+              <a:rPr lang="en-US" sz="6600" dirty="0">
+                <a:solidFill>
+                  <a:schemeClr val="accent1"/>
+                </a:solidFill>
+              </a:rPr>
+              <a:t>Thank you!</a:t>
+            </a:r>
+          </a:p>
+        </p:txBody>
+      </p:sp>
+    </p:spTree>
+    <p:extLst>
+      <p:ext uri="{BB962C8B-B14F-4D97-AF65-F5344CB8AC3E}">
+        <p14:creationId xmlns:p14="http://schemas.microsoft.com/office/powerpoint/2010/main" val="1550792472"/>
+      </p:ext>
+    </p:extLst>
+  </p:cSld>
+  <p:clrMapOvr>
+    <a:masterClrMapping/>
+  </p:clrMapOvr>
+</p:sld>
+</file>
+
+<file path=ppt/slides/slide14.xml><?xml version="1.0" encoding="utf-8"?>
 <p:sld xmlns:a="http://schemas.openxmlformats.org/drawingml/2006/main" xmlns:r="http://schemas.openxmlformats.org/officeDocument/2006/relationships" xmlns:p="http://schemas.openxmlformats.org/presentationml/2006/main" show="0">
   <p:cSld>
     <p:spTree>
@@ -5400,12 +6024,9 @@
 </file>
 
 <file path=customXml/item1.xml><?xml version="1.0" encoding="utf-8"?>
-<?mso-contentType ?>
-<FormTemplates xmlns="http://schemas.microsoft.com/sharepoint/v3/contenttype/forms">
-  <Display>DocumentLibraryForm</Display>
-  <Edit>DocumentLibraryForm</Edit>
-  <New>DocumentLibraryForm</New>
-</FormTemplates>
+<p:properties xmlns:p="http://schemas.microsoft.com/office/2006/metadata/properties" xmlns:xsi="http://www.w3.org/2001/XMLSchema-instance" xmlns:pc="http://schemas.microsoft.com/office/infopath/2007/PartnerControls">
+  <documentManagement/>
+</p:properties>
 </file>
 
 <file path=customXml/item2.xml><?xml version="1.0" encoding="utf-8"?>
@@ -5579,15 +6200,26 @@
 </file>
 
 <file path=customXml/item3.xml><?xml version="1.0" encoding="utf-8"?>
-<p:properties xmlns:p="http://schemas.microsoft.com/office/2006/metadata/properties" xmlns:xsi="http://www.w3.org/2001/XMLSchema-instance" xmlns:pc="http://schemas.microsoft.com/office/infopath/2007/PartnerControls">
-  <documentManagement/>
-</p:properties>
+<?mso-contentType ?>
+<FormTemplates xmlns="http://schemas.microsoft.com/sharepoint/v3/contenttype/forms">
+  <Display>DocumentLibraryForm</Display>
+  <Edit>DocumentLibraryForm</Edit>
+  <New>DocumentLibraryForm</New>
+</FormTemplates>
 </file>
 
 <file path=customXml/itemProps1.xml><?xml version="1.0" encoding="utf-8"?>
-<ds:datastoreItem xmlns:ds="http://schemas.openxmlformats.org/officeDocument/2006/customXml" ds:itemID="{1F6BAE2A-3DA5-4EE8-819D-1C3E1939D3C5}">
+<ds:datastoreItem xmlns:ds="http://schemas.openxmlformats.org/officeDocument/2006/customXml" ds:itemID="{B61D9F81-828F-487E-B733-C40C548226D3}">
   <ds:schemaRefs>
-    <ds:schemaRef ds:uri="http://schemas.microsoft.com/sharepoint/v3/contenttype/forms"/>
+    <ds:schemaRef ds:uri="http://purl.org/dc/terms/"/>
+    <ds:schemaRef ds:uri="http://schemas.openxmlformats.org/package/2006/metadata/core-properties"/>
+    <ds:schemaRef ds:uri="http://schemas.microsoft.com/office/2006/documentManagement/types"/>
+    <ds:schemaRef ds:uri="http://schemas.microsoft.com/office/infopath/2007/PartnerControls"/>
+    <ds:schemaRef ds:uri="http://purl.org/dc/elements/1.1/"/>
+    <ds:schemaRef ds:uri="http://schemas.microsoft.com/office/2006/metadata/properties"/>
+    <ds:schemaRef ds:uri="418ae95e-040f-4a03-ab7f-9099d8deb009"/>
+    <ds:schemaRef ds:uri="http://www.w3.org/XML/1998/namespace"/>
+    <ds:schemaRef ds:uri="http://purl.org/dc/dcmitype/"/>
   </ds:schemaRefs>
 </ds:datastoreItem>
 </file>
@@ -5611,17 +6243,9 @@
 </file>
 
 <file path=customXml/itemProps3.xml><?xml version="1.0" encoding="utf-8"?>
-<ds:datastoreItem xmlns:ds="http://schemas.openxmlformats.org/officeDocument/2006/customXml" ds:itemID="{B61D9F81-828F-487E-B733-C40C548226D3}">
+<ds:datastoreItem xmlns:ds="http://schemas.openxmlformats.org/officeDocument/2006/customXml" ds:itemID="{1F6BAE2A-3DA5-4EE8-819D-1C3E1939D3C5}">
   <ds:schemaRefs>
-    <ds:schemaRef ds:uri="http://purl.org/dc/terms/"/>
-    <ds:schemaRef ds:uri="http://schemas.openxmlformats.org/package/2006/metadata/core-properties"/>
-    <ds:schemaRef ds:uri="http://schemas.microsoft.com/office/2006/documentManagement/types"/>
-    <ds:schemaRef ds:uri="http://schemas.microsoft.com/office/infopath/2007/PartnerControls"/>
-    <ds:schemaRef ds:uri="http://purl.org/dc/elements/1.1/"/>
-    <ds:schemaRef ds:uri="http://schemas.microsoft.com/office/2006/metadata/properties"/>
-    <ds:schemaRef ds:uri="418ae95e-040f-4a03-ab7f-9099d8deb009"/>
-    <ds:schemaRef ds:uri="http://www.w3.org/XML/1998/namespace"/>
-    <ds:schemaRef ds:uri="http://purl.org/dc/dcmitype/"/>
+    <ds:schemaRef ds:uri="http://schemas.microsoft.com/sharepoint/v3/contenttype/forms"/>
   </ds:schemaRefs>
 </ds:datastoreItem>
 </file>